--- a/spring-beta-pm2-2014.pptx
+++ b/spring-beta-pm2-2014.pptx
@@ -2587,7 +2587,7 @@
           <a:bodyPr wrap="none" lIns="0" rIns="0" tIns="0" bIns="0"/>
           <a:p>
             <a:pPr algn="r"/>
-            <a:fld id="{477623E6-3782-4D4E-BD36-57B3A6751D6E}" type="slidenum">
+            <a:fld id="{DAB5539C-D466-437C-99C9-FBC48F62A294}" type="slidenum">
               <a:rPr lang="en-US"/>
               <a:t>&lt;number&gt;</a:t>
             </a:fld>
@@ -2879,7 +2879,7 @@
           <a:bodyPr wrap="none" lIns="0" rIns="0" tIns="0" bIns="0"/>
           <a:p>
             <a:pPr algn="r"/>
-            <a:fld id="{2AA5F0C8-DA92-4D9C-8C61-4B620F85838E}" type="slidenum">
+            <a:fld id="{A1A87BBE-16EB-4CD1-8454-5940E9437AD1}" type="slidenum">
               <a:rPr lang="en-US" sz="1400"/>
               <a:t>&lt;number&gt;</a:t>
             </a:fld>
@@ -4438,8 +4438,8 @@
         </p:nvSpPr>
         <p:spPr>
           <a:xfrm>
-            <a:off x="503640" y="-206640"/>
-            <a:ext cx="9069120" cy="1853640"/>
+            <a:off x="503640" y="288000"/>
+            <a:ext cx="9069120" cy="864360"/>
           </a:xfrm>
           <a:prstGeom prst="rect">
             <a:avLst/>
@@ -4450,7 +4450,7 @@
           <a:p>
             <a:pPr algn="ctr"/>
             <a:r>
-              <a:rPr lang="en-US"/>
+              <a:rPr lang="en-US" sz="4800"/>
               <a:t>Out of the box setup of Node.js</a:t>
             </a:r>
             <a:endParaRPr/>
